--- a/SMAI_project_presentation.pptx
+++ b/SMAI_project_presentation.pptx
@@ -1629,7 +1629,7 @@
       </p:grpSpPr>
       <p:sp>
         <p:nvSpPr>
-          <p:cNvPr id="225" name="Google Shape;225;g58eebdee93_0_2184:notes"/>
+          <p:cNvPr id="225" name="Google Shape;225;g58eebdee93_0_2043:notes"/>
           <p:cNvSpPr/>
           <p:nvPr>
             <p:ph idx="2" type="sldImg"/>
@@ -1637,8 +1637,8 @@
         </p:nvSpPr>
         <p:spPr>
           <a:xfrm>
-            <a:off x="381188" y="685800"/>
-            <a:ext cx="6096300" cy="3429000"/>
+            <a:off x="381300" y="685800"/>
+            <a:ext cx="6096000" cy="3429000"/>
           </a:xfrm>
           <a:custGeom>
             <a:rect b="b" l="l" r="r" t="t"/>
@@ -1664,7 +1664,7 @@
       </p:sp>
       <p:sp>
         <p:nvSpPr>
-          <p:cNvPr id="226" name="Google Shape;226;g58eebdee93_0_2184:notes"/>
+          <p:cNvPr id="226" name="Google Shape;226;g58eebdee93_0_2043:notes"/>
           <p:cNvSpPr txBox="1"/>
           <p:nvPr>
             <p:ph idx="1" type="body"/>
@@ -1714,7 +1714,7 @@
   <p:cSld>
     <p:spTree>
       <p:nvGrpSpPr>
-        <p:cNvPr id="229" name="Shape 229"/>
+        <p:cNvPr id="233" name="Shape 233"/>
         <p:cNvGrpSpPr/>
         <p:nvPr/>
       </p:nvGrpSpPr>
@@ -1728,7 +1728,7 @@
       </p:grpSpPr>
       <p:sp>
         <p:nvSpPr>
-          <p:cNvPr id="230" name="Google Shape;230;g58eebdee93_0_2174:notes"/>
+          <p:cNvPr id="234" name="Google Shape;234;g58eebdee93_0_2184:notes"/>
           <p:cNvSpPr/>
           <p:nvPr>
             <p:ph idx="2" type="sldImg"/>
@@ -1736,8 +1736,8 @@
         </p:nvSpPr>
         <p:spPr>
           <a:xfrm>
-            <a:off x="381300" y="685800"/>
-            <a:ext cx="6096000" cy="3429000"/>
+            <a:off x="381188" y="685800"/>
+            <a:ext cx="6096300" cy="3429000"/>
           </a:xfrm>
           <a:custGeom>
             <a:rect b="b" l="l" r="r" t="t"/>
@@ -1763,7 +1763,7 @@
       </p:sp>
       <p:sp>
         <p:nvSpPr>
-          <p:cNvPr id="231" name="Google Shape;231;g58eebdee93_0_2174:notes"/>
+          <p:cNvPr id="235" name="Google Shape;235;g58eebdee93_0_2184:notes"/>
           <p:cNvSpPr txBox="1"/>
           <p:nvPr>
             <p:ph idx="1" type="body"/>
@@ -1912,7 +1912,7 @@
   <p:cSld>
     <p:spTree>
       <p:nvGrpSpPr>
-        <p:cNvPr id="235" name="Shape 235"/>
+        <p:cNvPr id="238" name="Shape 238"/>
         <p:cNvGrpSpPr/>
         <p:nvPr/>
       </p:nvGrpSpPr>
@@ -1926,7 +1926,7 @@
       </p:grpSpPr>
       <p:sp>
         <p:nvSpPr>
-          <p:cNvPr id="236" name="Google Shape;236;g58eebdee93_0_2151:notes"/>
+          <p:cNvPr id="239" name="Google Shape;239;g58eebdee93_0_2174:notes"/>
           <p:cNvSpPr/>
           <p:nvPr>
             <p:ph idx="2" type="sldImg"/>
@@ -1961,7 +1961,7 @@
       </p:sp>
       <p:sp>
         <p:nvSpPr>
-          <p:cNvPr id="237" name="Google Shape;237;g58eebdee93_0_2151:notes"/>
+          <p:cNvPr id="240" name="Google Shape;240;g58eebdee93_0_2174:notes"/>
           <p:cNvSpPr txBox="1"/>
           <p:nvPr>
             <p:ph idx="1" type="body"/>
@@ -2011,7 +2011,7 @@
   <p:cSld>
     <p:spTree>
       <p:nvGrpSpPr>
-        <p:cNvPr id="241" name="Shape 241"/>
+        <p:cNvPr id="244" name="Shape 244"/>
         <p:cNvGrpSpPr/>
         <p:nvPr/>
       </p:nvGrpSpPr>
@@ -2025,7 +2025,7 @@
       </p:grpSpPr>
       <p:sp>
         <p:nvSpPr>
-          <p:cNvPr id="242" name="Google Shape;242;g58eebdee93_0_2043:notes"/>
+          <p:cNvPr id="245" name="Google Shape;245;g58eebdee93_0_2151:notes"/>
           <p:cNvSpPr/>
           <p:nvPr>
             <p:ph idx="2" type="sldImg"/>
@@ -2060,7 +2060,7 @@
       </p:sp>
       <p:sp>
         <p:nvSpPr>
-          <p:cNvPr id="243" name="Google Shape;243;g58eebdee93_0_2043:notes"/>
+          <p:cNvPr id="246" name="Google Shape;246;g58eebdee93_0_2151:notes"/>
           <p:cNvSpPr txBox="1"/>
           <p:nvPr>
             <p:ph idx="1" type="body"/>
@@ -13052,71 +13052,6 @@
         </p:nvSpPr>
         <p:spPr>
           <a:xfrm>
-            <a:off x="598100" y="1817647"/>
-            <a:ext cx="8222100" cy="838800"/>
-          </a:xfrm>
-          <a:prstGeom prst="rect">
-            <a:avLst/>
-          </a:prstGeom>
-        </p:spPr>
-        <p:txBody>
-          <a:bodyPr anchorCtr="0" anchor="ctr" bIns="91425" lIns="91425" spcFirstLastPara="1" rIns="91425" wrap="square" tIns="91425">
-            <a:noAutofit/>
-          </a:bodyPr>
-          <a:lstStyle/>
-          <a:p>
-            <a:pPr indent="0" lvl="0" marL="0" rtl="0" algn="l">
-              <a:spcBef>
-                <a:spcPts val="0"/>
-              </a:spcBef>
-              <a:spcAft>
-                <a:spcPts val="0"/>
-              </a:spcAft>
-              <a:buNone/>
-            </a:pPr>
-            <a:r>
-              <a:rPr lang="en"/>
-              <a:t>Model preparation</a:t>
-            </a:r>
-            <a:endParaRPr/>
-          </a:p>
-        </p:txBody>
-      </p:sp>
-    </p:spTree>
-  </p:cSld>
-  <p:clrMapOvr>
-    <a:masterClrMapping/>
-  </p:clrMapOvr>
-</p:sld>
-</file>
-
-<file path=ppt/slides/slide19.xml><?xml version="1.0" encoding="utf-8"?>
-<p:sld xmlns:a="http://schemas.openxmlformats.org/drawingml/2006/main" xmlns:r="http://schemas.openxmlformats.org/officeDocument/2006/relationships" xmlns:mc="http://schemas.openxmlformats.org/markup-compatibility/2006" xmlns:mv="urn:schemas-microsoft-com:mac:vml" xmlns:p="http://schemas.openxmlformats.org/presentationml/2006/main" xmlns:c="http://schemas.openxmlformats.org/drawingml/2006/chart" xmlns:dgm="http://schemas.openxmlformats.org/drawingml/2006/diagram" xmlns:o="urn:schemas-microsoft-com:office:office" xmlns:v="urn:schemas-microsoft-com:vml" xmlns:pvml="urn:schemas-microsoft-com:office:powerpoint" xmlns:com="http://schemas.openxmlformats.org/drawingml/2006/compatibility" xmlns:p14="http://schemas.microsoft.com/office/powerpoint/2010/main" xmlns:p15="http://schemas.microsoft.com/office/powerpoint/2012/main">
-  <p:cSld>
-    <p:spTree>
-      <p:nvGrpSpPr>
-        <p:cNvPr id="232" name="Shape 232"/>
-        <p:cNvGrpSpPr/>
-        <p:nvPr/>
-      </p:nvGrpSpPr>
-      <p:grpSpPr>
-        <a:xfrm>
-          <a:off x="0" y="0"/>
-          <a:ext cx="0" cy="0"/>
-          <a:chOff x="0" y="0"/>
-          <a:chExt cx="0" cy="0"/>
-        </a:xfrm>
-      </p:grpSpPr>
-      <p:sp>
-        <p:nvSpPr>
-          <p:cNvPr id="233" name="Google Shape;233;p31"/>
-          <p:cNvSpPr txBox="1"/>
-          <p:nvPr>
-            <p:ph idx="4294967295" type="title"/>
-          </p:nvPr>
-        </p:nvSpPr>
-        <p:spPr>
-          <a:xfrm>
             <a:off x="311700" y="410000"/>
             <a:ext cx="8520600" cy="607800"/>
           </a:xfrm>
@@ -13141,22 +13076,7 @@
             </a:pPr>
             <a:r>
               <a:rPr lang="en"/>
-              <a:t>Final X and Y</a:t>
-            </a:r>
-            <a:endParaRPr/>
-          </a:p>
-          <a:p>
-            <a:pPr indent="0" lvl="0" marL="0" rtl="0" algn="l">
-              <a:spcBef>
-                <a:spcPts val="0"/>
-              </a:spcBef>
-              <a:spcAft>
-                <a:spcPts val="0"/>
-              </a:spcAft>
-              <a:buNone/>
-            </a:pPr>
-            <a:r>
-              <a:t/>
+              <a:t>POS Embedding Layer</a:t>
             </a:r>
             <a:endParaRPr/>
           </a:p>
@@ -13164,15 +13084,15 @@
       </p:sp>
       <p:sp>
         <p:nvSpPr>
-          <p:cNvPr id="234" name="Google Shape;234;p31"/>
+          <p:cNvPr id="229" name="Google Shape;229;p30"/>
           <p:cNvSpPr txBox="1"/>
           <p:nvPr>
-            <p:ph idx="4294967295" type="body"/>
+            <p:ph idx="1" type="body"/>
           </p:nvPr>
         </p:nvSpPr>
         <p:spPr>
           <a:xfrm>
-            <a:off x="311700" y="1100750"/>
+            <a:off x="311700" y="1229875"/>
             <a:ext cx="8520600" cy="3339000"/>
           </a:xfrm>
           <a:prstGeom prst="rect">
@@ -13196,697 +13116,22 @@
             </a:pPr>
             <a:r>
               <a:rPr lang="en"/>
-              <a:t>X = </a:t>
+              <a:t>Embedding(input_dim, output_dim, input_length=None)</a:t>
             </a:r>
             <a:endParaRPr/>
           </a:p>
           <a:p>
             <a:pPr indent="0" lvl="0" marL="0" rtl="0" algn="l">
               <a:spcBef>
-                <a:spcPts val="0"/>
-              </a:spcBef>
-              <a:spcAft>
-                <a:spcPts val="0"/>
-              </a:spcAft>
-              <a:buNone/>
-            </a:pPr>
-            <a:r>
-              <a:rPr lang="en"/>
-              <a:t>[</a:t>
-            </a:r>
-            <a:endParaRPr/>
-          </a:p>
-          <a:p>
-            <a:pPr indent="0" lvl="0" marL="0" rtl="0" algn="l">
-              <a:spcBef>
-                <a:spcPts val="0"/>
-              </a:spcBef>
-              <a:spcAft>
-                <a:spcPts val="0"/>
-              </a:spcAft>
-              <a:buNone/>
-            </a:pPr>
-            <a:r>
-              <a:rPr lang="en"/>
-              <a:t> [ [ ]</a:t>
-            </a:r>
-            <a:r>
-              <a:rPr baseline="-25000" i="1" lang="en"/>
-              <a:t>30</a:t>
-            </a:r>
-            <a:r>
-              <a:rPr lang="en"/>
-              <a:t> </a:t>
-            </a:r>
-            <a:r>
-              <a:rPr lang="en"/>
-              <a:t>[ ]</a:t>
-            </a:r>
-            <a:r>
-              <a:rPr baseline="-25000" i="1" lang="en"/>
-              <a:t>30</a:t>
-            </a:r>
-            <a:r>
-              <a:rPr lang="en"/>
-              <a:t> </a:t>
-            </a:r>
-            <a:r>
-              <a:rPr lang="en"/>
-              <a:t>[ ]</a:t>
-            </a:r>
-            <a:r>
-              <a:rPr baseline="-25000" i="1" lang="en"/>
-              <a:t>30</a:t>
-            </a:r>
-            <a:r>
-              <a:rPr lang="en"/>
-              <a:t> </a:t>
-            </a:r>
-            <a:r>
-              <a:rPr lang="en"/>
-              <a:t>[ ]</a:t>
-            </a:r>
-            <a:r>
-              <a:rPr baseline="-25000" i="1" lang="en"/>
-              <a:t>30</a:t>
-            </a:r>
-            <a:r>
-              <a:rPr lang="en"/>
-              <a:t> </a:t>
-            </a:r>
-            <a:r>
-              <a:rPr lang="en"/>
-              <a:t>[ ]</a:t>
-            </a:r>
-            <a:r>
-              <a:rPr baseline="-25000" i="1" lang="en"/>
-              <a:t>30</a:t>
-            </a:r>
-            <a:r>
-              <a:rPr lang="en"/>
-              <a:t> </a:t>
-            </a:r>
-            <a:r>
-              <a:rPr lang="en"/>
-              <a:t>[ ]</a:t>
-            </a:r>
-            <a:r>
-              <a:rPr baseline="-25000" i="1" lang="en"/>
-              <a:t>30</a:t>
-            </a:r>
-            <a:r>
-              <a:rPr lang="en"/>
-              <a:t> ……………………………….</a:t>
-            </a:r>
-            <a:r>
-              <a:rPr lang="en"/>
-              <a:t>[ ]</a:t>
-            </a:r>
-            <a:r>
-              <a:rPr baseline="-25000" i="1" lang="en"/>
-              <a:t>30</a:t>
-            </a:r>
-            <a:r>
-              <a:rPr lang="en"/>
-              <a:t> ]</a:t>
-            </a:r>
-            <a:r>
-              <a:rPr baseline="-25000" i="1" lang="en"/>
-              <a:t>no of novel</a:t>
-            </a:r>
-            <a:endParaRPr baseline="-25000" i="1"/>
-          </a:p>
-          <a:p>
-            <a:pPr indent="0" lvl="0" marL="0" rtl="0" algn="l">
-              <a:spcBef>
-                <a:spcPts val="0"/>
-              </a:spcBef>
-              <a:spcAft>
-                <a:spcPts val="0"/>
-              </a:spcAft>
-              <a:buNone/>
-            </a:pPr>
-            <a:r>
-              <a:rPr lang="en"/>
-              <a:t> </a:t>
-            </a:r>
-            <a:r>
-              <a:rPr lang="en"/>
-              <a:t>[ [ ]</a:t>
-            </a:r>
-            <a:r>
-              <a:rPr baseline="-25000" i="1" lang="en"/>
-              <a:t>30</a:t>
-            </a:r>
-            <a:r>
-              <a:rPr lang="en"/>
-              <a:t> [ ]</a:t>
-            </a:r>
-            <a:r>
-              <a:rPr baseline="-25000" i="1" lang="en"/>
-              <a:t>30</a:t>
-            </a:r>
-            <a:r>
-              <a:rPr lang="en"/>
-              <a:t> [ ]</a:t>
-            </a:r>
-            <a:r>
-              <a:rPr baseline="-25000" i="1" lang="en"/>
-              <a:t>30</a:t>
-            </a:r>
-            <a:r>
-              <a:rPr lang="en"/>
-              <a:t> [ ]</a:t>
-            </a:r>
-            <a:r>
-              <a:rPr baseline="-25000" i="1" lang="en"/>
-              <a:t>30</a:t>
-            </a:r>
-            <a:r>
-              <a:rPr lang="en"/>
-              <a:t> [ ]</a:t>
-            </a:r>
-            <a:r>
-              <a:rPr baseline="-25000" i="1" lang="en"/>
-              <a:t>30</a:t>
-            </a:r>
-            <a:r>
-              <a:rPr lang="en"/>
-              <a:t> [ ]</a:t>
-            </a:r>
-            <a:r>
-              <a:rPr baseline="-25000" i="1" lang="en"/>
-              <a:t>30</a:t>
-            </a:r>
-            <a:r>
-              <a:rPr lang="en"/>
-              <a:t> ……………………………….[ ]</a:t>
-            </a:r>
-            <a:r>
-              <a:rPr baseline="-25000" i="1" lang="en"/>
-              <a:t>30</a:t>
-            </a:r>
-            <a:r>
-              <a:rPr lang="en"/>
-              <a:t> ]</a:t>
-            </a:r>
-            <a:r>
-              <a:rPr baseline="-25000" i="1" lang="en"/>
-              <a:t>no of novel</a:t>
-            </a:r>
-            <a:endParaRPr/>
-          </a:p>
-          <a:p>
-            <a:pPr indent="0" lvl="0" marL="0" rtl="0" algn="l">
-              <a:spcBef>
-                <a:spcPts val="0"/>
-              </a:spcBef>
-              <a:spcAft>
-                <a:spcPts val="0"/>
-              </a:spcAft>
-              <a:buNone/>
-            </a:pPr>
-            <a:r>
-              <a:rPr lang="en"/>
-              <a:t> [ [ ]</a:t>
-            </a:r>
-            <a:r>
-              <a:rPr baseline="-25000" i="1" lang="en"/>
-              <a:t>30</a:t>
-            </a:r>
-            <a:r>
-              <a:rPr lang="en"/>
-              <a:t> [ ]</a:t>
-            </a:r>
-            <a:r>
-              <a:rPr baseline="-25000" i="1" lang="en"/>
-              <a:t>30</a:t>
-            </a:r>
-            <a:r>
-              <a:rPr lang="en"/>
-              <a:t> [ ]</a:t>
-            </a:r>
-            <a:r>
-              <a:rPr baseline="-25000" i="1" lang="en"/>
-              <a:t>30</a:t>
-            </a:r>
-            <a:r>
-              <a:rPr lang="en"/>
-              <a:t> [ ]</a:t>
-            </a:r>
-            <a:r>
-              <a:rPr baseline="-25000" i="1" lang="en"/>
-              <a:t>30</a:t>
-            </a:r>
-            <a:r>
-              <a:rPr lang="en"/>
-              <a:t> [ ]</a:t>
-            </a:r>
-            <a:r>
-              <a:rPr baseline="-25000" i="1" lang="en"/>
-              <a:t>30</a:t>
-            </a:r>
-            <a:r>
-              <a:rPr lang="en"/>
-              <a:t> [ ]</a:t>
-            </a:r>
-            <a:r>
-              <a:rPr baseline="-25000" i="1" lang="en"/>
-              <a:t>30</a:t>
-            </a:r>
-            <a:r>
-              <a:rPr lang="en"/>
-              <a:t> ……………………………….[ ]</a:t>
-            </a:r>
-            <a:r>
-              <a:rPr baseline="-25000" i="1" lang="en"/>
-              <a:t>30</a:t>
-            </a:r>
-            <a:r>
-              <a:rPr lang="en"/>
-              <a:t> ]</a:t>
-            </a:r>
-            <a:r>
-              <a:rPr baseline="-25000" i="1" lang="en"/>
-              <a:t>no of novel</a:t>
-            </a:r>
-            <a:endParaRPr/>
-          </a:p>
-          <a:p>
-            <a:pPr indent="0" lvl="0" marL="0" rtl="0" algn="l">
-              <a:spcBef>
-                <a:spcPts val="0"/>
-              </a:spcBef>
-              <a:spcAft>
-                <a:spcPts val="0"/>
-              </a:spcAft>
-              <a:buNone/>
-            </a:pPr>
-            <a:r>
-              <a:rPr b="1" lang="en" sz="1400"/>
-              <a:t> ⋮</a:t>
-            </a:r>
-            <a:endParaRPr/>
-          </a:p>
-          <a:p>
-            <a:pPr indent="0" lvl="0" marL="0" rtl="0" algn="l">
-              <a:spcBef>
-                <a:spcPts val="0"/>
-              </a:spcBef>
-              <a:spcAft>
-                <a:spcPts val="0"/>
-              </a:spcAft>
-              <a:buNone/>
-            </a:pPr>
-            <a:r>
-              <a:rPr b="1" lang="en" sz="1400"/>
-              <a:t> ⋮</a:t>
-            </a:r>
-            <a:endParaRPr b="1" sz="1400"/>
-          </a:p>
-          <a:p>
-            <a:pPr indent="0" lvl="0" marL="0" rtl="0" algn="l">
-              <a:spcBef>
-                <a:spcPts val="0"/>
-              </a:spcBef>
-              <a:spcAft>
-                <a:spcPts val="0"/>
-              </a:spcAft>
-              <a:buNone/>
-            </a:pPr>
-            <a:r>
-              <a:rPr b="1" lang="en" sz="1400"/>
-              <a:t> ⋮</a:t>
-            </a:r>
-            <a:endParaRPr b="1" sz="1400"/>
-          </a:p>
-          <a:p>
-            <a:pPr indent="0" lvl="0" marL="0" rtl="0" algn="l">
-              <a:spcBef>
-                <a:spcPts val="0"/>
-              </a:spcBef>
-              <a:spcAft>
-                <a:spcPts val="0"/>
-              </a:spcAft>
-              <a:buNone/>
-            </a:pPr>
-            <a:r>
-              <a:rPr lang="en"/>
-              <a:t> [ [ ]</a:t>
-            </a:r>
-            <a:r>
-              <a:rPr baseline="-25000" i="1" lang="en"/>
-              <a:t>30</a:t>
-            </a:r>
-            <a:r>
-              <a:rPr lang="en"/>
-              <a:t> [ ]</a:t>
-            </a:r>
-            <a:r>
-              <a:rPr baseline="-25000" i="1" lang="en"/>
-              <a:t>30</a:t>
-            </a:r>
-            <a:r>
-              <a:rPr lang="en"/>
-              <a:t> [ ]</a:t>
-            </a:r>
-            <a:r>
-              <a:rPr baseline="-25000" i="1" lang="en"/>
-              <a:t>30</a:t>
-            </a:r>
-            <a:r>
-              <a:rPr lang="en"/>
-              <a:t> [ ]</a:t>
-            </a:r>
-            <a:r>
-              <a:rPr baseline="-25000" i="1" lang="en"/>
-              <a:t>30</a:t>
-            </a:r>
-            <a:r>
-              <a:rPr lang="en"/>
-              <a:t> [ ]</a:t>
-            </a:r>
-            <a:r>
-              <a:rPr baseline="-25000" i="1" lang="en"/>
-              <a:t>30</a:t>
-            </a:r>
-            <a:r>
-              <a:rPr lang="en"/>
-              <a:t> [ ]</a:t>
-            </a:r>
-            <a:r>
-              <a:rPr baseline="-25000" i="1" lang="en"/>
-              <a:t>30</a:t>
-            </a:r>
-            <a:r>
-              <a:rPr lang="en"/>
-              <a:t> ……………………………….[ ]</a:t>
-            </a:r>
-            <a:r>
-              <a:rPr baseline="-25000" i="1" lang="en"/>
-              <a:t>30</a:t>
-            </a:r>
-            <a:r>
-              <a:rPr lang="en"/>
-              <a:t> ]</a:t>
-            </a:r>
-            <a:r>
-              <a:rPr baseline="-25000" i="1" lang="en"/>
-              <a:t>no of novel</a:t>
-            </a:r>
-            <a:endParaRPr/>
-          </a:p>
-          <a:p>
-            <a:pPr indent="0" lvl="0" marL="0" rtl="0" algn="l">
-              <a:spcBef>
-                <a:spcPts val="0"/>
-              </a:spcBef>
-              <a:spcAft>
-                <a:spcPts val="0"/>
-              </a:spcAft>
-              <a:buNone/>
-            </a:pPr>
-            <a:r>
-              <a:rPr lang="en"/>
-              <a:t>]</a:t>
-            </a:r>
-            <a:r>
-              <a:rPr baseline="-25000" i="1" lang="en"/>
-              <a:t>100</a:t>
-            </a:r>
-            <a:endParaRPr baseline="-25000" i="1"/>
-          </a:p>
-          <a:p>
-            <a:pPr indent="0" lvl="0" marL="0" rtl="0" algn="l">
-              <a:spcBef>
-                <a:spcPts val="0"/>
-              </a:spcBef>
-              <a:spcAft>
-                <a:spcPts val="0"/>
+                <a:spcPts val="1600"/>
+              </a:spcBef>
+              <a:spcAft>
+                <a:spcPts val="1600"/>
               </a:spcAft>
               <a:buNone/>
             </a:pPr>
             <a:r>
               <a:t/>
-            </a:r>
-            <a:endParaRPr/>
-          </a:p>
-          <a:p>
-            <a:pPr indent="0" lvl="0" marL="0" rtl="0" algn="l">
-              <a:spcBef>
-                <a:spcPts val="0"/>
-              </a:spcBef>
-              <a:spcAft>
-                <a:spcPts val="0"/>
-              </a:spcAft>
-              <a:buNone/>
-            </a:pPr>
-            <a:r>
-              <a:rPr lang="en"/>
-              <a:t>Y = [ [ ]</a:t>
-            </a:r>
-            <a:r>
-              <a:rPr baseline="-25000" i="1" lang="en"/>
-              <a:t>One hot encoding</a:t>
-            </a:r>
-            <a:r>
-              <a:rPr lang="en"/>
-              <a:t>, [ ]</a:t>
-            </a:r>
-            <a:r>
-              <a:rPr baseline="-25000" i="1" lang="en"/>
-              <a:t>One hot encoding</a:t>
-            </a:r>
-            <a:r>
-              <a:rPr lang="en"/>
-              <a:t>,……………………………………….]</a:t>
-            </a:r>
-            <a:r>
-              <a:rPr baseline="-25000" i="1" lang="en"/>
-              <a:t>no of novel</a:t>
-            </a:r>
-            <a:endParaRPr baseline="-25000"/>
-          </a:p>
-        </p:txBody>
-      </p:sp>
-    </p:spTree>
-  </p:cSld>
-  <p:clrMapOvr>
-    <a:masterClrMapping/>
-  </p:clrMapOvr>
-</p:sld>
-</file>
-
-<file path=ppt/slides/slide2.xml><?xml version="1.0" encoding="utf-8"?>
-<p:sld xmlns:a="http://schemas.openxmlformats.org/drawingml/2006/main" xmlns:r="http://schemas.openxmlformats.org/officeDocument/2006/relationships" xmlns:mc="http://schemas.openxmlformats.org/markup-compatibility/2006" xmlns:mv="urn:schemas-microsoft-com:mac:vml" xmlns:p="http://schemas.openxmlformats.org/presentationml/2006/main" xmlns:c="http://schemas.openxmlformats.org/drawingml/2006/chart" xmlns:dgm="http://schemas.openxmlformats.org/drawingml/2006/diagram" xmlns:o="urn:schemas-microsoft-com:office:office" xmlns:v="urn:schemas-microsoft-com:vml" xmlns:pvml="urn:schemas-microsoft-com:office:powerpoint" xmlns:com="http://schemas.openxmlformats.org/drawingml/2006/compatibility" xmlns:p14="http://schemas.microsoft.com/office/powerpoint/2010/main" xmlns:p15="http://schemas.microsoft.com/office/powerpoint/2012/main">
-  <p:cSld>
-    <p:spTree>
-      <p:nvGrpSpPr>
-        <p:cNvPr id="90" name="Shape 90"/>
-        <p:cNvGrpSpPr/>
-        <p:nvPr/>
-      </p:nvGrpSpPr>
-      <p:grpSpPr>
-        <a:xfrm>
-          <a:off x="0" y="0"/>
-          <a:ext cx="0" cy="0"/>
-          <a:chOff x="0" y="0"/>
-          <a:chExt cx="0" cy="0"/>
-        </a:xfrm>
-      </p:grpSpPr>
-      <p:sp>
-        <p:nvSpPr>
-          <p:cNvPr id="91" name="Google Shape;91;p14"/>
-          <p:cNvSpPr txBox="1"/>
-          <p:nvPr>
-            <p:ph type="title"/>
-          </p:nvPr>
-        </p:nvSpPr>
-        <p:spPr>
-          <a:xfrm>
-            <a:off x="598100" y="1817647"/>
-            <a:ext cx="8222100" cy="838800"/>
-          </a:xfrm>
-          <a:prstGeom prst="rect">
-            <a:avLst/>
-          </a:prstGeom>
-        </p:spPr>
-        <p:txBody>
-          <a:bodyPr anchorCtr="0" anchor="ctr" bIns="91425" lIns="91425" spcFirstLastPara="1" rIns="91425" wrap="square" tIns="91425">
-            <a:noAutofit/>
-          </a:bodyPr>
-          <a:lstStyle/>
-          <a:p>
-            <a:pPr indent="0" lvl="0" marL="0" rtl="0" algn="l">
-              <a:spcBef>
-                <a:spcPts val="0"/>
-              </a:spcBef>
-              <a:spcAft>
-                <a:spcPts val="0"/>
-              </a:spcAft>
-              <a:buNone/>
-            </a:pPr>
-            <a:r>
-              <a:rPr lang="en"/>
-              <a:t>Data pre-processing</a:t>
-            </a:r>
-            <a:endParaRPr/>
-          </a:p>
-        </p:txBody>
-      </p:sp>
-    </p:spTree>
-  </p:cSld>
-  <p:clrMapOvr>
-    <a:masterClrMapping/>
-  </p:clrMapOvr>
-</p:sld>
-</file>
-
-<file path=ppt/slides/slide20.xml><?xml version="1.0" encoding="utf-8"?>
-<p:sld xmlns:a="http://schemas.openxmlformats.org/drawingml/2006/main" xmlns:r="http://schemas.openxmlformats.org/officeDocument/2006/relationships" xmlns:mc="http://schemas.openxmlformats.org/markup-compatibility/2006" xmlns:mv="urn:schemas-microsoft-com:mac:vml" xmlns:p="http://schemas.openxmlformats.org/presentationml/2006/main" xmlns:c="http://schemas.openxmlformats.org/drawingml/2006/chart" xmlns:dgm="http://schemas.openxmlformats.org/drawingml/2006/diagram" xmlns:o="urn:schemas-microsoft-com:office:office" xmlns:v="urn:schemas-microsoft-com:vml" xmlns:pvml="urn:schemas-microsoft-com:office:powerpoint" xmlns:com="http://schemas.openxmlformats.org/drawingml/2006/compatibility" xmlns:p14="http://schemas.microsoft.com/office/powerpoint/2010/main" xmlns:p15="http://schemas.microsoft.com/office/powerpoint/2012/main">
-  <p:cSld>
-    <p:spTree>
-      <p:nvGrpSpPr>
-        <p:cNvPr id="238" name="Shape 238"/>
-        <p:cNvGrpSpPr/>
-        <p:nvPr/>
-      </p:nvGrpSpPr>
-      <p:grpSpPr>
-        <a:xfrm>
-          <a:off x="0" y="0"/>
-          <a:ext cx="0" cy="0"/>
-          <a:chOff x="0" y="0"/>
-          <a:chExt cx="0" cy="0"/>
-        </a:xfrm>
-      </p:grpSpPr>
-      <p:sp>
-        <p:nvSpPr>
-          <p:cNvPr id="239" name="Google Shape;239;p32"/>
-          <p:cNvSpPr txBox="1"/>
-          <p:nvPr>
-            <p:ph type="title"/>
-          </p:nvPr>
-        </p:nvSpPr>
-        <p:spPr>
-          <a:xfrm>
-            <a:off x="311700" y="410000"/>
-            <a:ext cx="8520600" cy="607800"/>
-          </a:xfrm>
-          <a:prstGeom prst="rect">
-            <a:avLst/>
-          </a:prstGeom>
-        </p:spPr>
-        <p:txBody>
-          <a:bodyPr anchorCtr="0" anchor="t" bIns="91425" lIns="91425" spcFirstLastPara="1" rIns="91425" wrap="square" tIns="91425">
-            <a:noAutofit/>
-          </a:bodyPr>
-          <a:lstStyle/>
-          <a:p>
-            <a:pPr indent="0" lvl="0" marL="0" rtl="0" algn="l">
-              <a:spcBef>
-                <a:spcPts val="0"/>
-              </a:spcBef>
-              <a:spcAft>
-                <a:spcPts val="0"/>
-              </a:spcAft>
-              <a:buNone/>
-            </a:pPr>
-            <a:r>
-              <a:rPr lang="en" sz="1800"/>
-              <a:t>The Overall Architecture of Syntactic Recurrent Neural Network for Style-based Text Classification</a:t>
-            </a:r>
-            <a:endParaRPr sz="1800"/>
-          </a:p>
-        </p:txBody>
-      </p:sp>
-      <p:pic>
-        <p:nvPicPr>
-          <p:cNvPr id="240" name="Google Shape;240;p32"/>
-          <p:cNvPicPr preferRelativeResize="0"/>
-          <p:nvPr/>
-        </p:nvPicPr>
-        <p:blipFill>
-          <a:blip r:embed="rId3">
-            <a:alphaModFix/>
-          </a:blip>
-          <a:stretch>
-            <a:fillRect/>
-          </a:stretch>
-        </p:blipFill>
-        <p:spPr>
-          <a:xfrm>
-            <a:off x="1076050" y="1199325"/>
-            <a:ext cx="6897725" cy="3642851"/>
-          </a:xfrm>
-          <a:prstGeom prst="rect">
-            <a:avLst/>
-          </a:prstGeom>
-          <a:noFill/>
-          <a:ln>
-            <a:noFill/>
-          </a:ln>
-        </p:spPr>
-      </p:pic>
-    </p:spTree>
-  </p:cSld>
-  <p:clrMapOvr>
-    <a:masterClrMapping/>
-  </p:clrMapOvr>
-</p:sld>
-</file>
-
-<file path=ppt/slides/slide21.xml><?xml version="1.0" encoding="utf-8"?>
-<p:sld xmlns:a="http://schemas.openxmlformats.org/drawingml/2006/main" xmlns:r="http://schemas.openxmlformats.org/officeDocument/2006/relationships" xmlns:mc="http://schemas.openxmlformats.org/markup-compatibility/2006" xmlns:mv="urn:schemas-microsoft-com:mac:vml" xmlns:p="http://schemas.openxmlformats.org/presentationml/2006/main" xmlns:c="http://schemas.openxmlformats.org/drawingml/2006/chart" xmlns:dgm="http://schemas.openxmlformats.org/drawingml/2006/diagram" xmlns:o="urn:schemas-microsoft-com:office:office" xmlns:v="urn:schemas-microsoft-com:vml" xmlns:pvml="urn:schemas-microsoft-com:office:powerpoint" xmlns:com="http://schemas.openxmlformats.org/drawingml/2006/compatibility" xmlns:p14="http://schemas.microsoft.com/office/powerpoint/2010/main" xmlns:p15="http://schemas.microsoft.com/office/powerpoint/2012/main">
-  <p:cSld>
-    <p:spTree>
-      <p:nvGrpSpPr>
-        <p:cNvPr id="244" name="Shape 244"/>
-        <p:cNvGrpSpPr/>
-        <p:nvPr/>
-      </p:nvGrpSpPr>
-      <p:grpSpPr>
-        <a:xfrm>
-          <a:off x="0" y="0"/>
-          <a:ext cx="0" cy="0"/>
-          <a:chOff x="0" y="0"/>
-          <a:chExt cx="0" cy="0"/>
-        </a:xfrm>
-      </p:grpSpPr>
-      <p:sp>
-        <p:nvSpPr>
-          <p:cNvPr id="245" name="Google Shape;245;p33"/>
-          <p:cNvSpPr txBox="1"/>
-          <p:nvPr>
-            <p:ph type="title"/>
-          </p:nvPr>
-        </p:nvSpPr>
-        <p:spPr>
-          <a:xfrm>
-            <a:off x="311700" y="410000"/>
-            <a:ext cx="8520600" cy="607800"/>
-          </a:xfrm>
-          <a:prstGeom prst="rect">
-            <a:avLst/>
-          </a:prstGeom>
-        </p:spPr>
-        <p:txBody>
-          <a:bodyPr anchorCtr="0" anchor="t" bIns="91425" lIns="91425" spcFirstLastPara="1" rIns="91425" wrap="square" tIns="91425">
-            <a:noAutofit/>
-          </a:bodyPr>
-          <a:lstStyle/>
-          <a:p>
-            <a:pPr indent="0" lvl="0" marL="0" rtl="0" algn="l">
-              <a:spcBef>
-                <a:spcPts val="0"/>
-              </a:spcBef>
-              <a:spcAft>
-                <a:spcPts val="0"/>
-              </a:spcAft>
-              <a:buNone/>
-            </a:pPr>
-            <a:r>
-              <a:rPr lang="en"/>
-              <a:t>POS Embedding Layer</a:t>
             </a:r>
             <a:endParaRPr/>
           </a:p>
@@ -13894,62 +13139,7 @@
       </p:sp>
       <p:sp>
         <p:nvSpPr>
-          <p:cNvPr id="246" name="Google Shape;246;p33"/>
-          <p:cNvSpPr txBox="1"/>
-          <p:nvPr>
-            <p:ph idx="1" type="body"/>
-          </p:nvPr>
-        </p:nvSpPr>
-        <p:spPr>
-          <a:xfrm>
-            <a:off x="311700" y="1229875"/>
-            <a:ext cx="8520600" cy="3339000"/>
-          </a:xfrm>
-          <a:prstGeom prst="rect">
-            <a:avLst/>
-          </a:prstGeom>
-        </p:spPr>
-        <p:txBody>
-          <a:bodyPr anchorCtr="0" anchor="t" bIns="91425" lIns="91425" spcFirstLastPara="1" rIns="91425" wrap="square" tIns="91425">
-            <a:noAutofit/>
-          </a:bodyPr>
-          <a:lstStyle/>
-          <a:p>
-            <a:pPr indent="0" lvl="0" marL="0" rtl="0" algn="l">
-              <a:spcBef>
-                <a:spcPts val="0"/>
-              </a:spcBef>
-              <a:spcAft>
-                <a:spcPts val="0"/>
-              </a:spcAft>
-              <a:buNone/>
-            </a:pPr>
-            <a:r>
-              <a:rPr lang="en"/>
-              <a:t>Embedding(input_dim, output_dim, input_length=None)</a:t>
-            </a:r>
-            <a:endParaRPr/>
-          </a:p>
-          <a:p>
-            <a:pPr indent="0" lvl="0" marL="0" rtl="0" algn="l">
-              <a:spcBef>
-                <a:spcPts val="1600"/>
-              </a:spcBef>
-              <a:spcAft>
-                <a:spcPts val="1600"/>
-              </a:spcAft>
-              <a:buNone/>
-            </a:pPr>
-            <a:r>
-              <a:t/>
-            </a:r>
-            <a:endParaRPr/>
-          </a:p>
-        </p:txBody>
-      </p:sp>
-      <p:sp>
-        <p:nvSpPr>
-          <p:cNvPr id="247" name="Google Shape;247;p33"/>
+          <p:cNvPr id="230" name="Google Shape;230;p30"/>
           <p:cNvSpPr txBox="1"/>
           <p:nvPr/>
         </p:nvSpPr>
@@ -14001,7 +13191,7 @@
       </p:sp>
       <p:graphicFrame>
         <p:nvGraphicFramePr>
-          <p:cNvPr id="248" name="Google Shape;248;p33"/>
+          <p:cNvPr id="231" name="Google Shape;231;p30"/>
           <p:cNvGraphicFramePr/>
           <p:nvPr/>
         </p:nvGraphicFramePr>
@@ -14014,7 +13204,7 @@
             <a:tbl>
               <a:tblPr>
                 <a:noFill/>
-                <a:tableStyleId>{2E92E320-85F6-4771-8192-D3F7773E7095}</a:tableStyleId>
+                <a:tableStyleId>{B11825D6-1AB9-429A-B114-5A825E084383}</a:tableStyleId>
               </a:tblPr>
               <a:tblGrid>
                 <a:gridCol w="382850"/>
@@ -15631,7 +14821,7 @@
       </p:graphicFrame>
       <p:sp>
         <p:nvSpPr>
-          <p:cNvPr id="249" name="Google Shape;249;p33"/>
+          <p:cNvPr id="232" name="Google Shape;232;p30"/>
           <p:cNvSpPr txBox="1"/>
           <p:nvPr/>
         </p:nvSpPr>
@@ -15681,6 +14871,816 @@
           </a:p>
         </p:txBody>
       </p:sp>
+    </p:spTree>
+  </p:cSld>
+  <p:clrMapOvr>
+    <a:masterClrMapping/>
+  </p:clrMapOvr>
+</p:sld>
+</file>
+
+<file path=ppt/slides/slide19.xml><?xml version="1.0" encoding="utf-8"?>
+<p:sld xmlns:a="http://schemas.openxmlformats.org/drawingml/2006/main" xmlns:r="http://schemas.openxmlformats.org/officeDocument/2006/relationships" xmlns:mc="http://schemas.openxmlformats.org/markup-compatibility/2006" xmlns:mv="urn:schemas-microsoft-com:mac:vml" xmlns:p="http://schemas.openxmlformats.org/presentationml/2006/main" xmlns:c="http://schemas.openxmlformats.org/drawingml/2006/chart" xmlns:dgm="http://schemas.openxmlformats.org/drawingml/2006/diagram" xmlns:o="urn:schemas-microsoft-com:office:office" xmlns:v="urn:schemas-microsoft-com:vml" xmlns:pvml="urn:schemas-microsoft-com:office:powerpoint" xmlns:com="http://schemas.openxmlformats.org/drawingml/2006/compatibility" xmlns:p14="http://schemas.microsoft.com/office/powerpoint/2010/main" xmlns:p15="http://schemas.microsoft.com/office/powerpoint/2012/main">
+  <p:cSld>
+    <p:spTree>
+      <p:nvGrpSpPr>
+        <p:cNvPr id="236" name="Shape 236"/>
+        <p:cNvGrpSpPr/>
+        <p:nvPr/>
+      </p:nvGrpSpPr>
+      <p:grpSpPr>
+        <a:xfrm>
+          <a:off x="0" y="0"/>
+          <a:ext cx="0" cy="0"/>
+          <a:chOff x="0" y="0"/>
+          <a:chExt cx="0" cy="0"/>
+        </a:xfrm>
+      </p:grpSpPr>
+      <p:sp>
+        <p:nvSpPr>
+          <p:cNvPr id="237" name="Google Shape;237;p31"/>
+          <p:cNvSpPr txBox="1"/>
+          <p:nvPr>
+            <p:ph type="title"/>
+          </p:nvPr>
+        </p:nvSpPr>
+        <p:spPr>
+          <a:xfrm>
+            <a:off x="598100" y="1817647"/>
+            <a:ext cx="8222100" cy="838800"/>
+          </a:xfrm>
+          <a:prstGeom prst="rect">
+            <a:avLst/>
+          </a:prstGeom>
+        </p:spPr>
+        <p:txBody>
+          <a:bodyPr anchorCtr="0" anchor="ctr" bIns="91425" lIns="91425" spcFirstLastPara="1" rIns="91425" wrap="square" tIns="91425">
+            <a:noAutofit/>
+          </a:bodyPr>
+          <a:lstStyle/>
+          <a:p>
+            <a:pPr indent="0" lvl="0" marL="0" rtl="0" algn="l">
+              <a:spcBef>
+                <a:spcPts val="0"/>
+              </a:spcBef>
+              <a:spcAft>
+                <a:spcPts val="0"/>
+              </a:spcAft>
+              <a:buNone/>
+            </a:pPr>
+            <a:r>
+              <a:rPr lang="en"/>
+              <a:t>Model preparation</a:t>
+            </a:r>
+            <a:endParaRPr/>
+          </a:p>
+        </p:txBody>
+      </p:sp>
+    </p:spTree>
+  </p:cSld>
+  <p:clrMapOvr>
+    <a:masterClrMapping/>
+  </p:clrMapOvr>
+</p:sld>
+</file>
+
+<file path=ppt/slides/slide2.xml><?xml version="1.0" encoding="utf-8"?>
+<p:sld xmlns:a="http://schemas.openxmlformats.org/drawingml/2006/main" xmlns:r="http://schemas.openxmlformats.org/officeDocument/2006/relationships" xmlns:mc="http://schemas.openxmlformats.org/markup-compatibility/2006" xmlns:mv="urn:schemas-microsoft-com:mac:vml" xmlns:p="http://schemas.openxmlformats.org/presentationml/2006/main" xmlns:c="http://schemas.openxmlformats.org/drawingml/2006/chart" xmlns:dgm="http://schemas.openxmlformats.org/drawingml/2006/diagram" xmlns:o="urn:schemas-microsoft-com:office:office" xmlns:v="urn:schemas-microsoft-com:vml" xmlns:pvml="urn:schemas-microsoft-com:office:powerpoint" xmlns:com="http://schemas.openxmlformats.org/drawingml/2006/compatibility" xmlns:p14="http://schemas.microsoft.com/office/powerpoint/2010/main" xmlns:p15="http://schemas.microsoft.com/office/powerpoint/2012/main">
+  <p:cSld>
+    <p:spTree>
+      <p:nvGrpSpPr>
+        <p:cNvPr id="90" name="Shape 90"/>
+        <p:cNvGrpSpPr/>
+        <p:nvPr/>
+      </p:nvGrpSpPr>
+      <p:grpSpPr>
+        <a:xfrm>
+          <a:off x="0" y="0"/>
+          <a:ext cx="0" cy="0"/>
+          <a:chOff x="0" y="0"/>
+          <a:chExt cx="0" cy="0"/>
+        </a:xfrm>
+      </p:grpSpPr>
+      <p:sp>
+        <p:nvSpPr>
+          <p:cNvPr id="91" name="Google Shape;91;p14"/>
+          <p:cNvSpPr txBox="1"/>
+          <p:nvPr>
+            <p:ph type="title"/>
+          </p:nvPr>
+        </p:nvSpPr>
+        <p:spPr>
+          <a:xfrm>
+            <a:off x="598100" y="1817647"/>
+            <a:ext cx="8222100" cy="838800"/>
+          </a:xfrm>
+          <a:prstGeom prst="rect">
+            <a:avLst/>
+          </a:prstGeom>
+        </p:spPr>
+        <p:txBody>
+          <a:bodyPr anchorCtr="0" anchor="ctr" bIns="91425" lIns="91425" spcFirstLastPara="1" rIns="91425" wrap="square" tIns="91425">
+            <a:noAutofit/>
+          </a:bodyPr>
+          <a:lstStyle/>
+          <a:p>
+            <a:pPr indent="0" lvl="0" marL="0" rtl="0" algn="l">
+              <a:spcBef>
+                <a:spcPts val="0"/>
+              </a:spcBef>
+              <a:spcAft>
+                <a:spcPts val="0"/>
+              </a:spcAft>
+              <a:buNone/>
+            </a:pPr>
+            <a:r>
+              <a:rPr lang="en"/>
+              <a:t>Data pre-processing</a:t>
+            </a:r>
+            <a:endParaRPr/>
+          </a:p>
+        </p:txBody>
+      </p:sp>
+    </p:spTree>
+  </p:cSld>
+  <p:clrMapOvr>
+    <a:masterClrMapping/>
+  </p:clrMapOvr>
+</p:sld>
+</file>
+
+<file path=ppt/slides/slide20.xml><?xml version="1.0" encoding="utf-8"?>
+<p:sld xmlns:a="http://schemas.openxmlformats.org/drawingml/2006/main" xmlns:r="http://schemas.openxmlformats.org/officeDocument/2006/relationships" xmlns:mc="http://schemas.openxmlformats.org/markup-compatibility/2006" xmlns:mv="urn:schemas-microsoft-com:mac:vml" xmlns:p="http://schemas.openxmlformats.org/presentationml/2006/main" xmlns:c="http://schemas.openxmlformats.org/drawingml/2006/chart" xmlns:dgm="http://schemas.openxmlformats.org/drawingml/2006/diagram" xmlns:o="urn:schemas-microsoft-com:office:office" xmlns:v="urn:schemas-microsoft-com:vml" xmlns:pvml="urn:schemas-microsoft-com:office:powerpoint" xmlns:com="http://schemas.openxmlformats.org/drawingml/2006/compatibility" xmlns:p14="http://schemas.microsoft.com/office/powerpoint/2010/main" xmlns:p15="http://schemas.microsoft.com/office/powerpoint/2012/main">
+  <p:cSld>
+    <p:spTree>
+      <p:nvGrpSpPr>
+        <p:cNvPr id="241" name="Shape 241"/>
+        <p:cNvGrpSpPr/>
+        <p:nvPr/>
+      </p:nvGrpSpPr>
+      <p:grpSpPr>
+        <a:xfrm>
+          <a:off x="0" y="0"/>
+          <a:ext cx="0" cy="0"/>
+          <a:chOff x="0" y="0"/>
+          <a:chExt cx="0" cy="0"/>
+        </a:xfrm>
+      </p:grpSpPr>
+      <p:sp>
+        <p:nvSpPr>
+          <p:cNvPr id="242" name="Google Shape;242;p32"/>
+          <p:cNvSpPr txBox="1"/>
+          <p:nvPr>
+            <p:ph idx="4294967295" type="title"/>
+          </p:nvPr>
+        </p:nvSpPr>
+        <p:spPr>
+          <a:xfrm>
+            <a:off x="311700" y="410000"/>
+            <a:ext cx="8520600" cy="607800"/>
+          </a:xfrm>
+          <a:prstGeom prst="rect">
+            <a:avLst/>
+          </a:prstGeom>
+        </p:spPr>
+        <p:txBody>
+          <a:bodyPr anchorCtr="0" anchor="t" bIns="91425" lIns="91425" spcFirstLastPara="1" rIns="91425" wrap="square" tIns="91425">
+            <a:noAutofit/>
+          </a:bodyPr>
+          <a:lstStyle/>
+          <a:p>
+            <a:pPr indent="0" lvl="0" marL="0" rtl="0" algn="l">
+              <a:spcBef>
+                <a:spcPts val="0"/>
+              </a:spcBef>
+              <a:spcAft>
+                <a:spcPts val="0"/>
+              </a:spcAft>
+              <a:buNone/>
+            </a:pPr>
+            <a:r>
+              <a:rPr lang="en"/>
+              <a:t>Final X and Y</a:t>
+            </a:r>
+            <a:endParaRPr/>
+          </a:p>
+          <a:p>
+            <a:pPr indent="0" lvl="0" marL="0" rtl="0" algn="l">
+              <a:spcBef>
+                <a:spcPts val="0"/>
+              </a:spcBef>
+              <a:spcAft>
+                <a:spcPts val="0"/>
+              </a:spcAft>
+              <a:buNone/>
+            </a:pPr>
+            <a:r>
+              <a:t/>
+            </a:r>
+            <a:endParaRPr/>
+          </a:p>
+        </p:txBody>
+      </p:sp>
+      <p:sp>
+        <p:nvSpPr>
+          <p:cNvPr id="243" name="Google Shape;243;p32"/>
+          <p:cNvSpPr txBox="1"/>
+          <p:nvPr>
+            <p:ph idx="4294967295" type="body"/>
+          </p:nvPr>
+        </p:nvSpPr>
+        <p:spPr>
+          <a:xfrm>
+            <a:off x="311700" y="1100750"/>
+            <a:ext cx="8520600" cy="3339000"/>
+          </a:xfrm>
+          <a:prstGeom prst="rect">
+            <a:avLst/>
+          </a:prstGeom>
+        </p:spPr>
+        <p:txBody>
+          <a:bodyPr anchorCtr="0" anchor="t" bIns="91425" lIns="91425" spcFirstLastPara="1" rIns="91425" wrap="square" tIns="91425">
+            <a:noAutofit/>
+          </a:bodyPr>
+          <a:lstStyle/>
+          <a:p>
+            <a:pPr indent="0" lvl="0" marL="0" rtl="0" algn="l">
+              <a:spcBef>
+                <a:spcPts val="0"/>
+              </a:spcBef>
+              <a:spcAft>
+                <a:spcPts val="0"/>
+              </a:spcAft>
+              <a:buNone/>
+            </a:pPr>
+            <a:r>
+              <a:rPr lang="en"/>
+              <a:t>X = </a:t>
+            </a:r>
+            <a:endParaRPr/>
+          </a:p>
+          <a:p>
+            <a:pPr indent="0" lvl="0" marL="0" rtl="0" algn="l">
+              <a:spcBef>
+                <a:spcPts val="0"/>
+              </a:spcBef>
+              <a:spcAft>
+                <a:spcPts val="0"/>
+              </a:spcAft>
+              <a:buNone/>
+            </a:pPr>
+            <a:r>
+              <a:rPr lang="en"/>
+              <a:t>[</a:t>
+            </a:r>
+            <a:endParaRPr/>
+          </a:p>
+          <a:p>
+            <a:pPr indent="0" lvl="0" marL="0" rtl="0" algn="l">
+              <a:spcBef>
+                <a:spcPts val="0"/>
+              </a:spcBef>
+              <a:spcAft>
+                <a:spcPts val="0"/>
+              </a:spcAft>
+              <a:buNone/>
+            </a:pPr>
+            <a:r>
+              <a:rPr lang="en"/>
+              <a:t> [ [ ]</a:t>
+            </a:r>
+            <a:r>
+              <a:rPr baseline="-25000" i="1" lang="en"/>
+              <a:t>30</a:t>
+            </a:r>
+            <a:r>
+              <a:rPr lang="en"/>
+              <a:t> </a:t>
+            </a:r>
+            <a:r>
+              <a:rPr lang="en"/>
+              <a:t>[ ]</a:t>
+            </a:r>
+            <a:r>
+              <a:rPr baseline="-25000" i="1" lang="en"/>
+              <a:t>30</a:t>
+            </a:r>
+            <a:r>
+              <a:rPr lang="en"/>
+              <a:t> </a:t>
+            </a:r>
+            <a:r>
+              <a:rPr lang="en"/>
+              <a:t>[ ]</a:t>
+            </a:r>
+            <a:r>
+              <a:rPr baseline="-25000" i="1" lang="en"/>
+              <a:t>30</a:t>
+            </a:r>
+            <a:r>
+              <a:rPr lang="en"/>
+              <a:t> </a:t>
+            </a:r>
+            <a:r>
+              <a:rPr lang="en"/>
+              <a:t>[ ]</a:t>
+            </a:r>
+            <a:r>
+              <a:rPr baseline="-25000" i="1" lang="en"/>
+              <a:t>30</a:t>
+            </a:r>
+            <a:r>
+              <a:rPr lang="en"/>
+              <a:t> </a:t>
+            </a:r>
+            <a:r>
+              <a:rPr lang="en"/>
+              <a:t>[ ]</a:t>
+            </a:r>
+            <a:r>
+              <a:rPr baseline="-25000" i="1" lang="en"/>
+              <a:t>30</a:t>
+            </a:r>
+            <a:r>
+              <a:rPr lang="en"/>
+              <a:t> </a:t>
+            </a:r>
+            <a:r>
+              <a:rPr lang="en"/>
+              <a:t>[ ]</a:t>
+            </a:r>
+            <a:r>
+              <a:rPr baseline="-25000" i="1" lang="en"/>
+              <a:t>30</a:t>
+            </a:r>
+            <a:r>
+              <a:rPr lang="en"/>
+              <a:t> ……………………………….</a:t>
+            </a:r>
+            <a:r>
+              <a:rPr lang="en"/>
+              <a:t>[ ]</a:t>
+            </a:r>
+            <a:r>
+              <a:rPr baseline="-25000" i="1" lang="en"/>
+              <a:t>30</a:t>
+            </a:r>
+            <a:r>
+              <a:rPr lang="en"/>
+              <a:t> ]</a:t>
+            </a:r>
+            <a:r>
+              <a:rPr baseline="-25000" i="1" lang="en"/>
+              <a:t>no of novel</a:t>
+            </a:r>
+            <a:endParaRPr baseline="-25000" i="1"/>
+          </a:p>
+          <a:p>
+            <a:pPr indent="0" lvl="0" marL="0" rtl="0" algn="l">
+              <a:spcBef>
+                <a:spcPts val="0"/>
+              </a:spcBef>
+              <a:spcAft>
+                <a:spcPts val="0"/>
+              </a:spcAft>
+              <a:buNone/>
+            </a:pPr>
+            <a:r>
+              <a:rPr lang="en"/>
+              <a:t> </a:t>
+            </a:r>
+            <a:r>
+              <a:rPr lang="en"/>
+              <a:t>[ [ ]</a:t>
+            </a:r>
+            <a:r>
+              <a:rPr baseline="-25000" i="1" lang="en"/>
+              <a:t>30</a:t>
+            </a:r>
+            <a:r>
+              <a:rPr lang="en"/>
+              <a:t> [ ]</a:t>
+            </a:r>
+            <a:r>
+              <a:rPr baseline="-25000" i="1" lang="en"/>
+              <a:t>30</a:t>
+            </a:r>
+            <a:r>
+              <a:rPr lang="en"/>
+              <a:t> [ ]</a:t>
+            </a:r>
+            <a:r>
+              <a:rPr baseline="-25000" i="1" lang="en"/>
+              <a:t>30</a:t>
+            </a:r>
+            <a:r>
+              <a:rPr lang="en"/>
+              <a:t> [ ]</a:t>
+            </a:r>
+            <a:r>
+              <a:rPr baseline="-25000" i="1" lang="en"/>
+              <a:t>30</a:t>
+            </a:r>
+            <a:r>
+              <a:rPr lang="en"/>
+              <a:t> [ ]</a:t>
+            </a:r>
+            <a:r>
+              <a:rPr baseline="-25000" i="1" lang="en"/>
+              <a:t>30</a:t>
+            </a:r>
+            <a:r>
+              <a:rPr lang="en"/>
+              <a:t> [ ]</a:t>
+            </a:r>
+            <a:r>
+              <a:rPr baseline="-25000" i="1" lang="en"/>
+              <a:t>30</a:t>
+            </a:r>
+            <a:r>
+              <a:rPr lang="en"/>
+              <a:t> ……………………………….[ ]</a:t>
+            </a:r>
+            <a:r>
+              <a:rPr baseline="-25000" i="1" lang="en"/>
+              <a:t>30</a:t>
+            </a:r>
+            <a:r>
+              <a:rPr lang="en"/>
+              <a:t> ]</a:t>
+            </a:r>
+            <a:r>
+              <a:rPr baseline="-25000" i="1" lang="en"/>
+              <a:t>no of novel</a:t>
+            </a:r>
+            <a:endParaRPr/>
+          </a:p>
+          <a:p>
+            <a:pPr indent="0" lvl="0" marL="0" rtl="0" algn="l">
+              <a:spcBef>
+                <a:spcPts val="0"/>
+              </a:spcBef>
+              <a:spcAft>
+                <a:spcPts val="0"/>
+              </a:spcAft>
+              <a:buNone/>
+            </a:pPr>
+            <a:r>
+              <a:rPr lang="en"/>
+              <a:t> [ [ ]</a:t>
+            </a:r>
+            <a:r>
+              <a:rPr baseline="-25000" i="1" lang="en"/>
+              <a:t>30</a:t>
+            </a:r>
+            <a:r>
+              <a:rPr lang="en"/>
+              <a:t> [ ]</a:t>
+            </a:r>
+            <a:r>
+              <a:rPr baseline="-25000" i="1" lang="en"/>
+              <a:t>30</a:t>
+            </a:r>
+            <a:r>
+              <a:rPr lang="en"/>
+              <a:t> [ ]</a:t>
+            </a:r>
+            <a:r>
+              <a:rPr baseline="-25000" i="1" lang="en"/>
+              <a:t>30</a:t>
+            </a:r>
+            <a:r>
+              <a:rPr lang="en"/>
+              <a:t> [ ]</a:t>
+            </a:r>
+            <a:r>
+              <a:rPr baseline="-25000" i="1" lang="en"/>
+              <a:t>30</a:t>
+            </a:r>
+            <a:r>
+              <a:rPr lang="en"/>
+              <a:t> [ ]</a:t>
+            </a:r>
+            <a:r>
+              <a:rPr baseline="-25000" i="1" lang="en"/>
+              <a:t>30</a:t>
+            </a:r>
+            <a:r>
+              <a:rPr lang="en"/>
+              <a:t> [ ]</a:t>
+            </a:r>
+            <a:r>
+              <a:rPr baseline="-25000" i="1" lang="en"/>
+              <a:t>30</a:t>
+            </a:r>
+            <a:r>
+              <a:rPr lang="en"/>
+              <a:t> ……………………………….[ ]</a:t>
+            </a:r>
+            <a:r>
+              <a:rPr baseline="-25000" i="1" lang="en"/>
+              <a:t>30</a:t>
+            </a:r>
+            <a:r>
+              <a:rPr lang="en"/>
+              <a:t> ]</a:t>
+            </a:r>
+            <a:r>
+              <a:rPr baseline="-25000" i="1" lang="en"/>
+              <a:t>no of novel</a:t>
+            </a:r>
+            <a:endParaRPr/>
+          </a:p>
+          <a:p>
+            <a:pPr indent="0" lvl="0" marL="0" rtl="0" algn="l">
+              <a:spcBef>
+                <a:spcPts val="0"/>
+              </a:spcBef>
+              <a:spcAft>
+                <a:spcPts val="0"/>
+              </a:spcAft>
+              <a:buNone/>
+            </a:pPr>
+            <a:r>
+              <a:rPr b="1" lang="en" sz="1400"/>
+              <a:t> ⋮</a:t>
+            </a:r>
+            <a:endParaRPr/>
+          </a:p>
+          <a:p>
+            <a:pPr indent="0" lvl="0" marL="0" rtl="0" algn="l">
+              <a:spcBef>
+                <a:spcPts val="0"/>
+              </a:spcBef>
+              <a:spcAft>
+                <a:spcPts val="0"/>
+              </a:spcAft>
+              <a:buNone/>
+            </a:pPr>
+            <a:r>
+              <a:rPr b="1" lang="en" sz="1400"/>
+              <a:t> ⋮</a:t>
+            </a:r>
+            <a:endParaRPr b="1" sz="1400"/>
+          </a:p>
+          <a:p>
+            <a:pPr indent="0" lvl="0" marL="0" rtl="0" algn="l">
+              <a:spcBef>
+                <a:spcPts val="0"/>
+              </a:spcBef>
+              <a:spcAft>
+                <a:spcPts val="0"/>
+              </a:spcAft>
+              <a:buNone/>
+            </a:pPr>
+            <a:r>
+              <a:rPr b="1" lang="en" sz="1400"/>
+              <a:t> ⋮</a:t>
+            </a:r>
+            <a:endParaRPr b="1" sz="1400"/>
+          </a:p>
+          <a:p>
+            <a:pPr indent="0" lvl="0" marL="0" rtl="0" algn="l">
+              <a:spcBef>
+                <a:spcPts val="0"/>
+              </a:spcBef>
+              <a:spcAft>
+                <a:spcPts val="0"/>
+              </a:spcAft>
+              <a:buNone/>
+            </a:pPr>
+            <a:r>
+              <a:rPr lang="en"/>
+              <a:t> [ [ ]</a:t>
+            </a:r>
+            <a:r>
+              <a:rPr baseline="-25000" i="1" lang="en"/>
+              <a:t>30</a:t>
+            </a:r>
+            <a:r>
+              <a:rPr lang="en"/>
+              <a:t> [ ]</a:t>
+            </a:r>
+            <a:r>
+              <a:rPr baseline="-25000" i="1" lang="en"/>
+              <a:t>30</a:t>
+            </a:r>
+            <a:r>
+              <a:rPr lang="en"/>
+              <a:t> [ ]</a:t>
+            </a:r>
+            <a:r>
+              <a:rPr baseline="-25000" i="1" lang="en"/>
+              <a:t>30</a:t>
+            </a:r>
+            <a:r>
+              <a:rPr lang="en"/>
+              <a:t> [ ]</a:t>
+            </a:r>
+            <a:r>
+              <a:rPr baseline="-25000" i="1" lang="en"/>
+              <a:t>30</a:t>
+            </a:r>
+            <a:r>
+              <a:rPr lang="en"/>
+              <a:t> [ ]</a:t>
+            </a:r>
+            <a:r>
+              <a:rPr baseline="-25000" i="1" lang="en"/>
+              <a:t>30</a:t>
+            </a:r>
+            <a:r>
+              <a:rPr lang="en"/>
+              <a:t> [ ]</a:t>
+            </a:r>
+            <a:r>
+              <a:rPr baseline="-25000" i="1" lang="en"/>
+              <a:t>30</a:t>
+            </a:r>
+            <a:r>
+              <a:rPr lang="en"/>
+              <a:t> ……………………………….[ ]</a:t>
+            </a:r>
+            <a:r>
+              <a:rPr baseline="-25000" i="1" lang="en"/>
+              <a:t>30</a:t>
+            </a:r>
+            <a:r>
+              <a:rPr lang="en"/>
+              <a:t> ]</a:t>
+            </a:r>
+            <a:r>
+              <a:rPr baseline="-25000" i="1" lang="en"/>
+              <a:t>no of novel</a:t>
+            </a:r>
+            <a:endParaRPr/>
+          </a:p>
+          <a:p>
+            <a:pPr indent="0" lvl="0" marL="0" rtl="0" algn="l">
+              <a:spcBef>
+                <a:spcPts val="0"/>
+              </a:spcBef>
+              <a:spcAft>
+                <a:spcPts val="0"/>
+              </a:spcAft>
+              <a:buNone/>
+            </a:pPr>
+            <a:r>
+              <a:rPr lang="en"/>
+              <a:t>]</a:t>
+            </a:r>
+            <a:r>
+              <a:rPr baseline="-25000" i="1" lang="en"/>
+              <a:t>100</a:t>
+            </a:r>
+            <a:endParaRPr baseline="-25000" i="1"/>
+          </a:p>
+          <a:p>
+            <a:pPr indent="0" lvl="0" marL="0" rtl="0" algn="l">
+              <a:spcBef>
+                <a:spcPts val="0"/>
+              </a:spcBef>
+              <a:spcAft>
+                <a:spcPts val="0"/>
+              </a:spcAft>
+              <a:buNone/>
+            </a:pPr>
+            <a:r>
+              <a:t/>
+            </a:r>
+            <a:endParaRPr/>
+          </a:p>
+          <a:p>
+            <a:pPr indent="0" lvl="0" marL="0" rtl="0" algn="l">
+              <a:spcBef>
+                <a:spcPts val="0"/>
+              </a:spcBef>
+              <a:spcAft>
+                <a:spcPts val="0"/>
+              </a:spcAft>
+              <a:buNone/>
+            </a:pPr>
+            <a:r>
+              <a:rPr lang="en"/>
+              <a:t>Y = [ [ ]</a:t>
+            </a:r>
+            <a:r>
+              <a:rPr baseline="-25000" i="1" lang="en"/>
+              <a:t>One hot encoding</a:t>
+            </a:r>
+            <a:r>
+              <a:rPr lang="en"/>
+              <a:t>, [ ]</a:t>
+            </a:r>
+            <a:r>
+              <a:rPr baseline="-25000" i="1" lang="en"/>
+              <a:t>One hot encoding</a:t>
+            </a:r>
+            <a:r>
+              <a:rPr lang="en"/>
+              <a:t>,……………………………………….]</a:t>
+            </a:r>
+            <a:r>
+              <a:rPr baseline="-25000" i="1" lang="en"/>
+              <a:t>no of novel</a:t>
+            </a:r>
+            <a:endParaRPr baseline="-25000"/>
+          </a:p>
+        </p:txBody>
+      </p:sp>
+    </p:spTree>
+  </p:cSld>
+  <p:clrMapOvr>
+    <a:masterClrMapping/>
+  </p:clrMapOvr>
+</p:sld>
+</file>
+
+<file path=ppt/slides/slide21.xml><?xml version="1.0" encoding="utf-8"?>
+<p:sld xmlns:a="http://schemas.openxmlformats.org/drawingml/2006/main" xmlns:r="http://schemas.openxmlformats.org/officeDocument/2006/relationships" xmlns:mc="http://schemas.openxmlformats.org/markup-compatibility/2006" xmlns:mv="urn:schemas-microsoft-com:mac:vml" xmlns:p="http://schemas.openxmlformats.org/presentationml/2006/main" xmlns:c="http://schemas.openxmlformats.org/drawingml/2006/chart" xmlns:dgm="http://schemas.openxmlformats.org/drawingml/2006/diagram" xmlns:o="urn:schemas-microsoft-com:office:office" xmlns:v="urn:schemas-microsoft-com:vml" xmlns:pvml="urn:schemas-microsoft-com:office:powerpoint" xmlns:com="http://schemas.openxmlformats.org/drawingml/2006/compatibility" xmlns:p14="http://schemas.microsoft.com/office/powerpoint/2010/main" xmlns:p15="http://schemas.microsoft.com/office/powerpoint/2012/main">
+  <p:cSld>
+    <p:spTree>
+      <p:nvGrpSpPr>
+        <p:cNvPr id="247" name="Shape 247"/>
+        <p:cNvGrpSpPr/>
+        <p:nvPr/>
+      </p:nvGrpSpPr>
+      <p:grpSpPr>
+        <a:xfrm>
+          <a:off x="0" y="0"/>
+          <a:ext cx="0" cy="0"/>
+          <a:chOff x="0" y="0"/>
+          <a:chExt cx="0" cy="0"/>
+        </a:xfrm>
+      </p:grpSpPr>
+      <p:sp>
+        <p:nvSpPr>
+          <p:cNvPr id="248" name="Google Shape;248;p33"/>
+          <p:cNvSpPr txBox="1"/>
+          <p:nvPr>
+            <p:ph type="title"/>
+          </p:nvPr>
+        </p:nvSpPr>
+        <p:spPr>
+          <a:xfrm>
+            <a:off x="311700" y="410000"/>
+            <a:ext cx="8520600" cy="607800"/>
+          </a:xfrm>
+          <a:prstGeom prst="rect">
+            <a:avLst/>
+          </a:prstGeom>
+        </p:spPr>
+        <p:txBody>
+          <a:bodyPr anchorCtr="0" anchor="t" bIns="91425" lIns="91425" spcFirstLastPara="1" rIns="91425" wrap="square" tIns="91425">
+            <a:noAutofit/>
+          </a:bodyPr>
+          <a:lstStyle/>
+          <a:p>
+            <a:pPr indent="0" lvl="0" marL="0" rtl="0" algn="l">
+              <a:spcBef>
+                <a:spcPts val="0"/>
+              </a:spcBef>
+              <a:spcAft>
+                <a:spcPts val="0"/>
+              </a:spcAft>
+              <a:buNone/>
+            </a:pPr>
+            <a:r>
+              <a:rPr lang="en" sz="1800"/>
+              <a:t>The Overall Architecture of Syntactic Recurrent Neural Network for Style-based Text Classification</a:t>
+            </a:r>
+            <a:endParaRPr sz="1800"/>
+          </a:p>
+        </p:txBody>
+      </p:sp>
+      <p:pic>
+        <p:nvPicPr>
+          <p:cNvPr id="249" name="Google Shape;249;p33"/>
+          <p:cNvPicPr preferRelativeResize="0"/>
+          <p:nvPr/>
+        </p:nvPicPr>
+        <p:blipFill>
+          <a:blip r:embed="rId3">
+            <a:alphaModFix/>
+          </a:blip>
+          <a:stretch>
+            <a:fillRect/>
+          </a:stretch>
+        </p:blipFill>
+        <p:spPr>
+          <a:xfrm>
+            <a:off x="1076050" y="1199325"/>
+            <a:ext cx="6897725" cy="3642851"/>
+          </a:xfrm>
+          <a:prstGeom prst="rect">
+            <a:avLst/>
+          </a:prstGeom>
+          <a:noFill/>
+          <a:ln>
+            <a:noFill/>
+          </a:ln>
+        </p:spPr>
+      </p:pic>
     </p:spTree>
   </p:cSld>
   <p:clrMapOvr>
